--- a/DevOps_internal_Dnipro_2021Q3_Yevhen_Vieskov.pptx
+++ b/DevOps_internal_Dnipro_2021Q3_Yevhen_Vieskov.pptx
@@ -18311,27 +18311,28 @@
       </p:sp>
       <p:pic>
         <p:nvPicPr>
-          <p:cNvPr id="5" name="Рисунок 4"/>
+          <p:cNvPr id="6" name="Рисунок 5">
+            <a:extLst>
+              <a:ext uri="{FF2B5EF4-FFF2-40B4-BE49-F238E27FC236}">
+                <a16:creationId xmlns:a16="http://schemas.microsoft.com/office/drawing/2014/main" id="{ACD95981-1D4C-4C3F-B005-C468FEEA4445}"/>
+              </a:ext>
+            </a:extLst>
+          </p:cNvPr>
           <p:cNvPicPr>
             <a:picLocks noChangeAspect="1"/>
           </p:cNvPicPr>
           <p:nvPr/>
         </p:nvPicPr>
-        <p:blipFill rotWithShape="1">
-          <a:blip r:embed="rId2">
-            <a:extLst>
-              <a:ext uri="{28A0092B-C50C-407E-A947-70E740481C1C}">
-                <a14:useLocalDpi xmlns:a14="http://schemas.microsoft.com/office/drawing/2010/main" val="0"/>
-              </a:ext>
-            </a:extLst>
-          </a:blip>
-          <a:srcRect t="7537" b="42276"/>
-          <a:stretch/>
+        <p:blipFill>
+          <a:blip r:embed="rId2"/>
+          <a:stretch>
+            <a:fillRect/>
+          </a:stretch>
         </p:blipFill>
         <p:spPr>
           <a:xfrm>
-            <a:off x="1307070" y="2508068"/>
-            <a:ext cx="9813776" cy="2769327"/>
+            <a:off x="1801504" y="1121747"/>
+            <a:ext cx="9467522" cy="5128241"/>
           </a:xfrm>
           <a:prstGeom prst="rect">
             <a:avLst/>
